--- a/src/test/resources/WebAutomation_Tutorial-main/Selenium_Sessions/Session4.pptx
+++ b/src/test/resources/WebAutomation_Tutorial-main/Selenium_Sessions/Session4.pptx
@@ -619,7 +619,7 @@
           </a:lstStyle>
           <a:p>
             <a:r>
-              <a:rPr lang="en-US" smtClean="0"/>
+              <a:rPr lang="en-US"/>
               <a:t>Click to edit Master title style</a:t>
             </a:r>
             <a:endParaRPr lang="en-US" dirty="0"/>
@@ -736,7 +736,7 @@
           </a:lstStyle>
           <a:p>
             <a:r>
-              <a:rPr lang="en-US" smtClean="0"/>
+              <a:rPr lang="en-US"/>
               <a:t>Click to edit Master subtitle style</a:t>
             </a:r>
             <a:endParaRPr lang="en-US" dirty="0"/>
@@ -773,7 +773,7 @@
           <a:p>
             <a:fld id="{9BE84528-8D37-4AEF-901D-3F79E4D98468}" type="datetimeFigureOut">
               <a:rPr lang="en-US" smtClean="0"/>
-              <a:t>4/11/2023</a:t>
+              <a:t>3/23/2024</a:t>
             </a:fld>
             <a:endParaRPr lang="en-US"/>
           </a:p>
@@ -1719,7 +1719,7 @@
           </a:lstStyle>
           <a:p>
             <a:r>
-              <a:rPr lang="en-US" smtClean="0"/>
+              <a:rPr lang="en-US"/>
               <a:t>Click to edit Master title style</a:t>
             </a:r>
             <a:endParaRPr lang="en-US" dirty="0"/>
@@ -1798,7 +1798,7 @@
           </a:lstStyle>
           <a:p>
             <a:r>
-              <a:rPr lang="en-US" smtClean="0"/>
+              <a:rPr lang="en-US"/>
               <a:t>Click icon to add picture</a:t>
             </a:r>
             <a:endParaRPr lang="en-US" dirty="0"/>
@@ -1870,7 +1870,7 @@
           <a:p>
             <a:pPr lvl="0"/>
             <a:r>
-              <a:rPr lang="en-US" smtClean="0"/>
+              <a:rPr lang="en-US"/>
               <a:t>Click to edit Master text styles</a:t>
             </a:r>
           </a:p>
@@ -1893,7 +1893,7 @@
           <a:p>
             <a:fld id="{9BE84528-8D37-4AEF-901D-3F79E4D98468}" type="datetimeFigureOut">
               <a:rPr lang="en-US" smtClean="0"/>
-              <a:t>4/11/2023</a:t>
+              <a:t>3/23/2024</a:t>
             </a:fld>
             <a:endParaRPr lang="en-US"/>
           </a:p>
@@ -2813,7 +2813,7 @@
           </a:lstStyle>
           <a:p>
             <a:r>
-              <a:rPr lang="en-US" smtClean="0"/>
+              <a:rPr lang="en-US"/>
               <a:t>Click to edit Master title style</a:t>
             </a:r>
             <a:endParaRPr lang="en-US" dirty="0"/>
@@ -2881,7 +2881,7 @@
           <a:p>
             <a:pPr lvl="0"/>
             <a:r>
-              <a:rPr lang="en-US" smtClean="0"/>
+              <a:rPr lang="en-US"/>
               <a:t>Click to edit Master text styles</a:t>
             </a:r>
           </a:p>
@@ -2904,7 +2904,7 @@
           <a:p>
             <a:fld id="{9BE84528-8D37-4AEF-901D-3F79E4D98468}" type="datetimeFigureOut">
               <a:rPr lang="en-US" smtClean="0"/>
-              <a:t>4/11/2023</a:t>
+              <a:t>3/23/2024</a:t>
             </a:fld>
             <a:endParaRPr lang="en-US"/>
           </a:p>
@@ -3910,7 +3910,7 @@
           </a:lstStyle>
           <a:p>
             <a:r>
-              <a:rPr lang="en-US" smtClean="0"/>
+              <a:rPr lang="en-US"/>
               <a:t>Click to edit Master title style</a:t>
             </a:r>
             <a:endParaRPr lang="en-US" dirty="0"/>
@@ -3984,7 +3984,7 @@
           <a:p>
             <a:pPr lvl="0"/>
             <a:r>
-              <a:rPr lang="en-US" smtClean="0"/>
+              <a:rPr lang="en-US"/>
               <a:t>Click to edit Master text styles</a:t>
             </a:r>
           </a:p>
@@ -4051,7 +4051,7 @@
           <a:p>
             <a:pPr lvl="0"/>
             <a:r>
-              <a:rPr lang="en-US" smtClean="0"/>
+              <a:rPr lang="en-US"/>
               <a:t>Click to edit Master text styles</a:t>
             </a:r>
           </a:p>
@@ -4074,7 +4074,7 @@
           <a:p>
             <a:fld id="{9BE84528-8D37-4AEF-901D-3F79E4D98468}" type="datetimeFigureOut">
               <a:rPr lang="en-US" smtClean="0"/>
-              <a:t>4/11/2023</a:t>
+              <a:t>3/23/2024</a:t>
             </a:fld>
             <a:endParaRPr lang="en-US"/>
           </a:p>
@@ -4994,7 +4994,7 @@
           </a:lstStyle>
           <a:p>
             <a:r>
-              <a:rPr lang="en-US" smtClean="0"/>
+              <a:rPr lang="en-US"/>
               <a:t>Click to edit Master title style</a:t>
             </a:r>
             <a:endParaRPr lang="en-US" dirty="0"/>
@@ -5112,7 +5112,7 @@
           <a:p>
             <a:pPr lvl="0"/>
             <a:r>
-              <a:rPr lang="en-US" smtClean="0"/>
+              <a:rPr lang="en-US"/>
               <a:t>Click to edit Master text styles</a:t>
             </a:r>
           </a:p>
@@ -5135,7 +5135,7 @@
           <a:p>
             <a:fld id="{9BE84528-8D37-4AEF-901D-3F79E4D98468}" type="datetimeFigureOut">
               <a:rPr lang="en-US" smtClean="0"/>
-              <a:t>4/11/2023</a:t>
+              <a:t>3/23/2024</a:t>
             </a:fld>
             <a:endParaRPr lang="en-US"/>
           </a:p>
@@ -5269,7 +5269,7 @@
           </a:lstStyle>
           <a:p>
             <a:r>
-              <a:rPr lang="en-US" smtClean="0"/>
+              <a:rPr lang="en-US"/>
               <a:t>Click to edit Master title style</a:t>
             </a:r>
             <a:endParaRPr lang="en-US" dirty="0"/>
@@ -5341,7 +5341,7 @@
           <a:p>
             <a:pPr lvl="0"/>
             <a:r>
-              <a:rPr lang="en-US" smtClean="0"/>
+              <a:rPr lang="en-US"/>
               <a:t>Click to edit Master text styles</a:t>
             </a:r>
           </a:p>
@@ -5408,7 +5408,7 @@
           <a:p>
             <a:pPr lvl="0"/>
             <a:r>
-              <a:rPr lang="en-US" smtClean="0"/>
+              <a:rPr lang="en-US"/>
               <a:t>Click to edit Master text styles</a:t>
             </a:r>
           </a:p>
@@ -5479,7 +5479,7 @@
           <a:p>
             <a:pPr lvl="0"/>
             <a:r>
-              <a:rPr lang="en-US" smtClean="0"/>
+              <a:rPr lang="en-US"/>
               <a:t>Click to edit Master text styles</a:t>
             </a:r>
           </a:p>
@@ -5546,7 +5546,7 @@
           <a:p>
             <a:pPr lvl="0"/>
             <a:r>
-              <a:rPr lang="en-US" smtClean="0"/>
+              <a:rPr lang="en-US"/>
               <a:t>Click to edit Master text styles</a:t>
             </a:r>
           </a:p>
@@ -5617,7 +5617,7 @@
           <a:p>
             <a:pPr lvl="0"/>
             <a:r>
-              <a:rPr lang="en-US" smtClean="0"/>
+              <a:rPr lang="en-US"/>
               <a:t>Click to edit Master text styles</a:t>
             </a:r>
           </a:p>
@@ -5684,7 +5684,7 @@
           <a:p>
             <a:pPr lvl="0"/>
             <a:r>
-              <a:rPr lang="en-US" smtClean="0"/>
+              <a:rPr lang="en-US"/>
               <a:t>Click to edit Master text styles</a:t>
             </a:r>
           </a:p>
@@ -5781,7 +5781,7 @@
           <a:p>
             <a:fld id="{9BE84528-8D37-4AEF-901D-3F79E4D98468}" type="datetimeFigureOut">
               <a:rPr lang="en-US" smtClean="0"/>
-              <a:t>4/11/2023</a:t>
+              <a:t>3/23/2024</a:t>
             </a:fld>
             <a:endParaRPr lang="en-US"/>
           </a:p>
@@ -5879,7 +5879,7 @@
           </a:lstStyle>
           <a:p>
             <a:r>
-              <a:rPr lang="en-US" smtClean="0"/>
+              <a:rPr lang="en-US"/>
               <a:t>Click to edit Master title style</a:t>
             </a:r>
             <a:endParaRPr lang="en-US" dirty="0"/>
@@ -5951,7 +5951,7 @@
           <a:p>
             <a:pPr lvl="0"/>
             <a:r>
-              <a:rPr lang="en-US" smtClean="0"/>
+              <a:rPr lang="en-US"/>
               <a:t>Click to edit Master text styles</a:t>
             </a:r>
           </a:p>
@@ -6029,7 +6029,7 @@
           </a:lstStyle>
           <a:p>
             <a:r>
-              <a:rPr lang="en-US" smtClean="0"/>
+              <a:rPr lang="en-US"/>
               <a:t>Click icon to add picture</a:t>
             </a:r>
             <a:endParaRPr lang="en-US" dirty="0"/>
@@ -6097,7 +6097,7 @@
           <a:p>
             <a:pPr lvl="0"/>
             <a:r>
-              <a:rPr lang="en-US" smtClean="0"/>
+              <a:rPr lang="en-US"/>
               <a:t>Click to edit Master text styles</a:t>
             </a:r>
           </a:p>
@@ -6168,7 +6168,7 @@
           <a:p>
             <a:pPr lvl="0"/>
             <a:r>
-              <a:rPr lang="en-US" smtClean="0"/>
+              <a:rPr lang="en-US"/>
               <a:t>Click to edit Master text styles</a:t>
             </a:r>
           </a:p>
@@ -6246,7 +6246,7 @@
           </a:lstStyle>
           <a:p>
             <a:r>
-              <a:rPr lang="en-US" smtClean="0"/>
+              <a:rPr lang="en-US"/>
               <a:t>Click icon to add picture</a:t>
             </a:r>
             <a:endParaRPr lang="en-US" dirty="0"/>
@@ -6314,7 +6314,7 @@
           <a:p>
             <a:pPr lvl="0"/>
             <a:r>
-              <a:rPr lang="en-US" smtClean="0"/>
+              <a:rPr lang="en-US"/>
               <a:t>Click to edit Master text styles</a:t>
             </a:r>
           </a:p>
@@ -6385,7 +6385,7 @@
           <a:p>
             <a:pPr lvl="0"/>
             <a:r>
-              <a:rPr lang="en-US" smtClean="0"/>
+              <a:rPr lang="en-US"/>
               <a:t>Click to edit Master text styles</a:t>
             </a:r>
           </a:p>
@@ -6463,7 +6463,7 @@
           </a:lstStyle>
           <a:p>
             <a:r>
-              <a:rPr lang="en-US" smtClean="0"/>
+              <a:rPr lang="en-US"/>
               <a:t>Click icon to add picture</a:t>
             </a:r>
             <a:endParaRPr lang="en-US" dirty="0"/>
@@ -6531,7 +6531,7 @@
           <a:p>
             <a:pPr lvl="0"/>
             <a:r>
-              <a:rPr lang="en-US" smtClean="0"/>
+              <a:rPr lang="en-US"/>
               <a:t>Click to edit Master text styles</a:t>
             </a:r>
           </a:p>
@@ -6628,7 +6628,7 @@
           <a:p>
             <a:fld id="{9BE84528-8D37-4AEF-901D-3F79E4D98468}" type="datetimeFigureOut">
               <a:rPr lang="en-US" smtClean="0"/>
-              <a:t>4/11/2023</a:t>
+              <a:t>3/23/2024</a:t>
             </a:fld>
             <a:endParaRPr lang="en-US"/>
           </a:p>
@@ -6727,7 +6727,7 @@
           <a:lstStyle/>
           <a:p>
             <a:r>
-              <a:rPr lang="en-US" smtClean="0"/>
+              <a:rPr lang="en-US"/>
               <a:t>Click to edit Master title style</a:t>
             </a:r>
             <a:endParaRPr lang="en-US" dirty="0"/>
@@ -6751,35 +6751,35 @@
           <a:p>
             <a:pPr lvl="0"/>
             <a:r>
-              <a:rPr lang="en-US" smtClean="0"/>
+              <a:rPr lang="en-US"/>
               <a:t>Click to edit Master text styles</a:t>
             </a:r>
           </a:p>
           <a:p>
             <a:pPr lvl="1"/>
             <a:r>
-              <a:rPr lang="en-US" smtClean="0"/>
+              <a:rPr lang="en-US"/>
               <a:t>Second level</a:t>
             </a:r>
           </a:p>
           <a:p>
             <a:pPr lvl="2"/>
             <a:r>
-              <a:rPr lang="en-US" smtClean="0"/>
+              <a:rPr lang="en-US"/>
               <a:t>Third level</a:t>
             </a:r>
           </a:p>
           <a:p>
             <a:pPr lvl="3"/>
             <a:r>
-              <a:rPr lang="en-US" smtClean="0"/>
+              <a:rPr lang="en-US"/>
               <a:t>Fourth level</a:t>
             </a:r>
           </a:p>
           <a:p>
             <a:pPr lvl="4"/>
             <a:r>
-              <a:rPr lang="en-US" smtClean="0"/>
+              <a:rPr lang="en-US"/>
               <a:t>Fifth level</a:t>
             </a:r>
             <a:endParaRPr lang="en-US" dirty="0"/>
@@ -6803,7 +6803,7 @@
           <a:p>
             <a:fld id="{9BE84528-8D37-4AEF-901D-3F79E4D98468}" type="datetimeFigureOut">
               <a:rPr lang="en-US" smtClean="0"/>
-              <a:t>4/11/2023</a:t>
+              <a:t>3/23/2024</a:t>
             </a:fld>
             <a:endParaRPr lang="en-US"/>
           </a:p>
@@ -7720,7 +7720,7 @@
           <a:lstStyle/>
           <a:p>
             <a:r>
-              <a:rPr lang="en-US" smtClean="0"/>
+              <a:rPr lang="en-US"/>
               <a:t>Click to edit Master title style</a:t>
             </a:r>
             <a:endParaRPr lang="en-US" dirty="0"/>
@@ -7749,35 +7749,35 @@
           <a:p>
             <a:pPr lvl="0"/>
             <a:r>
-              <a:rPr lang="en-US" smtClean="0"/>
+              <a:rPr lang="en-US"/>
               <a:t>Click to edit Master text styles</a:t>
             </a:r>
           </a:p>
           <a:p>
             <a:pPr lvl="1"/>
             <a:r>
-              <a:rPr lang="en-US" smtClean="0"/>
+              <a:rPr lang="en-US"/>
               <a:t>Second level</a:t>
             </a:r>
           </a:p>
           <a:p>
             <a:pPr lvl="2"/>
             <a:r>
-              <a:rPr lang="en-US" smtClean="0"/>
+              <a:rPr lang="en-US"/>
               <a:t>Third level</a:t>
             </a:r>
           </a:p>
           <a:p>
             <a:pPr lvl="3"/>
             <a:r>
-              <a:rPr lang="en-US" smtClean="0"/>
+              <a:rPr lang="en-US"/>
               <a:t>Fourth level</a:t>
             </a:r>
           </a:p>
           <a:p>
             <a:pPr lvl="4"/>
             <a:r>
-              <a:rPr lang="en-US" smtClean="0"/>
+              <a:rPr lang="en-US"/>
               <a:t>Fifth level</a:t>
             </a:r>
             <a:endParaRPr lang="en-US" dirty="0"/>
@@ -7801,7 +7801,7 @@
           <a:p>
             <a:fld id="{9BE84528-8D37-4AEF-901D-3F79E4D98468}" type="datetimeFigureOut">
               <a:rPr lang="en-US" smtClean="0"/>
-              <a:t>4/11/2023</a:t>
+              <a:t>3/23/2024</a:t>
             </a:fld>
             <a:endParaRPr lang="en-US"/>
           </a:p>
@@ -7931,7 +7931,7 @@
           <a:lstStyle/>
           <a:p>
             <a:r>
-              <a:rPr lang="en-US" smtClean="0"/>
+              <a:rPr lang="en-US"/>
               <a:t>Click to edit Master title style</a:t>
             </a:r>
             <a:endParaRPr lang="en-US" dirty="0"/>
@@ -7955,35 +7955,35 @@
           <a:p>
             <a:pPr lvl="0"/>
             <a:r>
-              <a:rPr lang="en-US" smtClean="0"/>
+              <a:rPr lang="en-US"/>
               <a:t>Click to edit Master text styles</a:t>
             </a:r>
           </a:p>
           <a:p>
             <a:pPr lvl="1"/>
             <a:r>
-              <a:rPr lang="en-US" smtClean="0"/>
+              <a:rPr lang="en-US"/>
               <a:t>Second level</a:t>
             </a:r>
           </a:p>
           <a:p>
             <a:pPr lvl="2"/>
             <a:r>
-              <a:rPr lang="en-US" smtClean="0"/>
+              <a:rPr lang="en-US"/>
               <a:t>Third level</a:t>
             </a:r>
           </a:p>
           <a:p>
             <a:pPr lvl="3"/>
             <a:r>
-              <a:rPr lang="en-US" smtClean="0"/>
+              <a:rPr lang="en-US"/>
               <a:t>Fourth level</a:t>
             </a:r>
           </a:p>
           <a:p>
             <a:pPr lvl="4"/>
             <a:r>
-              <a:rPr lang="en-US" smtClean="0"/>
+              <a:rPr lang="en-US"/>
               <a:t>Fifth level</a:t>
             </a:r>
             <a:endParaRPr lang="en-US" dirty="0"/>
@@ -8007,7 +8007,7 @@
           <a:p>
             <a:fld id="{9BE84528-8D37-4AEF-901D-3F79E4D98468}" type="datetimeFigureOut">
               <a:rPr lang="en-US" smtClean="0"/>
-              <a:t>4/11/2023</a:t>
+              <a:t>3/23/2024</a:t>
             </a:fld>
             <a:endParaRPr lang="en-US"/>
           </a:p>
@@ -8928,7 +8928,7 @@
           </a:lstStyle>
           <a:p>
             <a:r>
-              <a:rPr lang="en-US" smtClean="0"/>
+              <a:rPr lang="en-US"/>
               <a:t>Click to edit Master title style</a:t>
             </a:r>
             <a:endParaRPr lang="en-US" dirty="0"/>
@@ -9046,7 +9046,7 @@
           <a:p>
             <a:pPr lvl="0"/>
             <a:r>
-              <a:rPr lang="en-US" smtClean="0"/>
+              <a:rPr lang="en-US"/>
               <a:t>Click to edit Master text styles</a:t>
             </a:r>
           </a:p>
@@ -9069,7 +9069,7 @@
           <a:p>
             <a:fld id="{9BE84528-8D37-4AEF-901D-3F79E4D98468}" type="datetimeFigureOut">
               <a:rPr lang="en-US" smtClean="0"/>
-              <a:t>4/11/2023</a:t>
+              <a:t>3/23/2024</a:t>
             </a:fld>
             <a:endParaRPr lang="en-US"/>
           </a:p>
@@ -9199,7 +9199,7 @@
           <a:lstStyle/>
           <a:p>
             <a:r>
-              <a:rPr lang="en-US" smtClean="0"/>
+              <a:rPr lang="en-US"/>
               <a:t>Click to edit Master title style</a:t>
             </a:r>
             <a:endParaRPr lang="en-US" dirty="0"/>
@@ -9230,35 +9230,35 @@
           <a:p>
             <a:pPr lvl="0"/>
             <a:r>
-              <a:rPr lang="en-US" smtClean="0"/>
+              <a:rPr lang="en-US"/>
               <a:t>Click to edit Master text styles</a:t>
             </a:r>
           </a:p>
           <a:p>
             <a:pPr lvl="1"/>
             <a:r>
-              <a:rPr lang="en-US" smtClean="0"/>
+              <a:rPr lang="en-US"/>
               <a:t>Second level</a:t>
             </a:r>
           </a:p>
           <a:p>
             <a:pPr lvl="2"/>
             <a:r>
-              <a:rPr lang="en-US" smtClean="0"/>
+              <a:rPr lang="en-US"/>
               <a:t>Third level</a:t>
             </a:r>
           </a:p>
           <a:p>
             <a:pPr lvl="3"/>
             <a:r>
-              <a:rPr lang="en-US" smtClean="0"/>
+              <a:rPr lang="en-US"/>
               <a:t>Fourth level</a:t>
             </a:r>
           </a:p>
           <a:p>
             <a:pPr lvl="4"/>
             <a:r>
-              <a:rPr lang="en-US" smtClean="0"/>
+              <a:rPr lang="en-US"/>
               <a:t>Fifth level</a:t>
             </a:r>
             <a:endParaRPr lang="en-US" dirty="0"/>
@@ -9289,35 +9289,35 @@
           <a:p>
             <a:pPr lvl="0"/>
             <a:r>
-              <a:rPr lang="en-US" smtClean="0"/>
+              <a:rPr lang="en-US"/>
               <a:t>Click to edit Master text styles</a:t>
             </a:r>
           </a:p>
           <a:p>
             <a:pPr lvl="1"/>
             <a:r>
-              <a:rPr lang="en-US" smtClean="0"/>
+              <a:rPr lang="en-US"/>
               <a:t>Second level</a:t>
             </a:r>
           </a:p>
           <a:p>
             <a:pPr lvl="2"/>
             <a:r>
-              <a:rPr lang="en-US" smtClean="0"/>
+              <a:rPr lang="en-US"/>
               <a:t>Third level</a:t>
             </a:r>
           </a:p>
           <a:p>
             <a:pPr lvl="3"/>
             <a:r>
-              <a:rPr lang="en-US" smtClean="0"/>
+              <a:rPr lang="en-US"/>
               <a:t>Fourth level</a:t>
             </a:r>
           </a:p>
           <a:p>
             <a:pPr lvl="4"/>
             <a:r>
-              <a:rPr lang="en-US" smtClean="0"/>
+              <a:rPr lang="en-US"/>
               <a:t>Fifth level</a:t>
             </a:r>
             <a:endParaRPr lang="en-US" dirty="0"/>
@@ -9341,7 +9341,7 @@
           <a:p>
             <a:fld id="{9BE84528-8D37-4AEF-901D-3F79E4D98468}" type="datetimeFigureOut">
               <a:rPr lang="en-US" smtClean="0"/>
-              <a:t>4/11/2023</a:t>
+              <a:t>3/23/2024</a:t>
             </a:fld>
             <a:endParaRPr lang="en-US"/>
           </a:p>
@@ -9439,7 +9439,7 @@
           </a:lstStyle>
           <a:p>
             <a:r>
-              <a:rPr lang="en-US" smtClean="0"/>
+              <a:rPr lang="en-US"/>
               <a:t>Click to edit Master title style</a:t>
             </a:r>
             <a:endParaRPr lang="en-US" dirty="0"/>
@@ -9511,7 +9511,7 @@
           <a:p>
             <a:pPr lvl="0"/>
             <a:r>
-              <a:rPr lang="en-US" smtClean="0"/>
+              <a:rPr lang="en-US"/>
               <a:t>Click to edit Master text styles</a:t>
             </a:r>
           </a:p>
@@ -9541,35 +9541,35 @@
           <a:p>
             <a:pPr lvl="0"/>
             <a:r>
-              <a:rPr lang="en-US" smtClean="0"/>
+              <a:rPr lang="en-US"/>
               <a:t>Click to edit Master text styles</a:t>
             </a:r>
           </a:p>
           <a:p>
             <a:pPr lvl="1"/>
             <a:r>
-              <a:rPr lang="en-US" smtClean="0"/>
+              <a:rPr lang="en-US"/>
               <a:t>Second level</a:t>
             </a:r>
           </a:p>
           <a:p>
             <a:pPr lvl="2"/>
             <a:r>
-              <a:rPr lang="en-US" smtClean="0"/>
+              <a:rPr lang="en-US"/>
               <a:t>Third level</a:t>
             </a:r>
           </a:p>
           <a:p>
             <a:pPr lvl="3"/>
             <a:r>
-              <a:rPr lang="en-US" smtClean="0"/>
+              <a:rPr lang="en-US"/>
               <a:t>Fourth level</a:t>
             </a:r>
           </a:p>
           <a:p>
             <a:pPr lvl="4"/>
             <a:r>
-              <a:rPr lang="en-US" smtClean="0"/>
+              <a:rPr lang="en-US"/>
               <a:t>Fifth level</a:t>
             </a:r>
             <a:endParaRPr lang="en-US" dirty="0"/>
@@ -9641,7 +9641,7 @@
           <a:p>
             <a:pPr lvl="0"/>
             <a:r>
-              <a:rPr lang="en-US" smtClean="0"/>
+              <a:rPr lang="en-US"/>
               <a:t>Click to edit Master text styles</a:t>
             </a:r>
           </a:p>
@@ -9671,35 +9671,35 @@
           <a:p>
             <a:pPr lvl="0"/>
             <a:r>
-              <a:rPr lang="en-US" smtClean="0"/>
+              <a:rPr lang="en-US"/>
               <a:t>Click to edit Master text styles</a:t>
             </a:r>
           </a:p>
           <a:p>
             <a:pPr lvl="1"/>
             <a:r>
-              <a:rPr lang="en-US" smtClean="0"/>
+              <a:rPr lang="en-US"/>
               <a:t>Second level</a:t>
             </a:r>
           </a:p>
           <a:p>
             <a:pPr lvl="2"/>
             <a:r>
-              <a:rPr lang="en-US" smtClean="0"/>
+              <a:rPr lang="en-US"/>
               <a:t>Third level</a:t>
             </a:r>
           </a:p>
           <a:p>
             <a:pPr lvl="3"/>
             <a:r>
-              <a:rPr lang="en-US" smtClean="0"/>
+              <a:rPr lang="en-US"/>
               <a:t>Fourth level</a:t>
             </a:r>
           </a:p>
           <a:p>
             <a:pPr lvl="4"/>
             <a:r>
-              <a:rPr lang="en-US" smtClean="0"/>
+              <a:rPr lang="en-US"/>
               <a:t>Fifth level</a:t>
             </a:r>
             <a:endParaRPr lang="en-US" dirty="0"/>
@@ -9723,7 +9723,7 @@
           <a:p>
             <a:fld id="{9BE84528-8D37-4AEF-901D-3F79E4D98468}" type="datetimeFigureOut">
               <a:rPr lang="en-US" smtClean="0"/>
-              <a:t>4/11/2023</a:t>
+              <a:t>3/23/2024</a:t>
             </a:fld>
             <a:endParaRPr lang="en-US"/>
           </a:p>
@@ -9817,7 +9817,7 @@
           <a:lstStyle/>
           <a:p>
             <a:r>
-              <a:rPr lang="en-US" smtClean="0"/>
+              <a:rPr lang="en-US"/>
               <a:t>Click to edit Master title style</a:t>
             </a:r>
             <a:endParaRPr lang="en-US" dirty="0"/>
@@ -9841,7 +9841,7 @@
           <a:p>
             <a:fld id="{9BE84528-8D37-4AEF-901D-3F79E4D98468}" type="datetimeFigureOut">
               <a:rPr lang="en-US" smtClean="0"/>
-              <a:t>4/11/2023</a:t>
+              <a:t>3/23/2024</a:t>
             </a:fld>
             <a:endParaRPr lang="en-US"/>
           </a:p>
@@ -9936,7 +9936,7 @@
           <a:p>
             <a:fld id="{9BE84528-8D37-4AEF-901D-3F79E4D98468}" type="datetimeFigureOut">
               <a:rPr lang="en-US" smtClean="0"/>
-              <a:t>4/11/2023</a:t>
+              <a:t>3/23/2024</a:t>
             </a:fld>
             <a:endParaRPr lang="en-US"/>
           </a:p>
@@ -10893,7 +10893,7 @@
           </a:lstStyle>
           <a:p>
             <a:r>
-              <a:rPr lang="en-US" smtClean="0"/>
+              <a:rPr lang="en-US"/>
               <a:t>Click to edit Master title style</a:t>
             </a:r>
             <a:endParaRPr lang="en-US" dirty="0"/>
@@ -10924,35 +10924,35 @@
           <a:p>
             <a:pPr lvl="0"/>
             <a:r>
-              <a:rPr lang="en-US" smtClean="0"/>
+              <a:rPr lang="en-US"/>
               <a:t>Click to edit Master text styles</a:t>
             </a:r>
           </a:p>
           <a:p>
             <a:pPr lvl="1"/>
             <a:r>
-              <a:rPr lang="en-US" smtClean="0"/>
+              <a:rPr lang="en-US"/>
               <a:t>Second level</a:t>
             </a:r>
           </a:p>
           <a:p>
             <a:pPr lvl="2"/>
             <a:r>
-              <a:rPr lang="en-US" smtClean="0"/>
+              <a:rPr lang="en-US"/>
               <a:t>Third level</a:t>
             </a:r>
           </a:p>
           <a:p>
             <a:pPr lvl="3"/>
             <a:r>
-              <a:rPr lang="en-US" smtClean="0"/>
+              <a:rPr lang="en-US"/>
               <a:t>Fourth level</a:t>
             </a:r>
           </a:p>
           <a:p>
             <a:pPr lvl="4"/>
             <a:r>
-              <a:rPr lang="en-US" smtClean="0"/>
+              <a:rPr lang="en-US"/>
               <a:t>Fifth level</a:t>
             </a:r>
             <a:endParaRPr lang="en-US" dirty="0"/>
@@ -11022,7 +11022,7 @@
           <a:p>
             <a:pPr lvl="0"/>
             <a:r>
-              <a:rPr lang="en-US" smtClean="0"/>
+              <a:rPr lang="en-US"/>
               <a:t>Click to edit Master text styles</a:t>
             </a:r>
           </a:p>
@@ -11045,7 +11045,7 @@
           <a:p>
             <a:fld id="{9BE84528-8D37-4AEF-901D-3F79E4D98468}" type="datetimeFigureOut">
               <a:rPr lang="en-US" smtClean="0"/>
-              <a:t>4/11/2023</a:t>
+              <a:t>3/23/2024</a:t>
             </a:fld>
             <a:endParaRPr lang="en-US"/>
           </a:p>
@@ -12004,7 +12004,7 @@
           </a:lstStyle>
           <a:p>
             <a:r>
-              <a:rPr lang="en-US" smtClean="0"/>
+              <a:rPr lang="en-US"/>
               <a:t>Click to edit Master title style</a:t>
             </a:r>
             <a:endParaRPr lang="en-US" dirty="0"/>
@@ -12083,7 +12083,7 @@
           </a:lstStyle>
           <a:p>
             <a:r>
-              <a:rPr lang="en-US" smtClean="0"/>
+              <a:rPr lang="en-US"/>
               <a:t>Click icon to add picture</a:t>
             </a:r>
             <a:endParaRPr lang="en-US" dirty="0"/>
@@ -12155,7 +12155,7 @@
           <a:p>
             <a:pPr lvl="0"/>
             <a:r>
-              <a:rPr lang="en-US" smtClean="0"/>
+              <a:rPr lang="en-US"/>
               <a:t>Click to edit Master text styles</a:t>
             </a:r>
           </a:p>
@@ -12178,7 +12178,7 @@
           <a:p>
             <a:fld id="{9BE84528-8D37-4AEF-901D-3F79E4D98468}" type="datetimeFigureOut">
               <a:rPr lang="en-US" smtClean="0"/>
-              <a:t>4/11/2023</a:t>
+              <a:t>3/23/2024</a:t>
             </a:fld>
             <a:endParaRPr lang="en-US"/>
           </a:p>
@@ -13104,7 +13104,7 @@
           <a:lstStyle/>
           <a:p>
             <a:r>
-              <a:rPr lang="en-US" smtClean="0"/>
+              <a:rPr lang="en-US"/>
               <a:t>Click to edit Master title style</a:t>
             </a:r>
             <a:endParaRPr lang="en-US" dirty="0"/>
@@ -13138,35 +13138,35 @@
           <a:p>
             <a:pPr lvl="0"/>
             <a:r>
-              <a:rPr lang="en-US" smtClean="0"/>
+              <a:rPr lang="en-US"/>
               <a:t>Click to edit Master text styles</a:t>
             </a:r>
           </a:p>
           <a:p>
             <a:pPr lvl="1"/>
             <a:r>
-              <a:rPr lang="en-US" smtClean="0"/>
+              <a:rPr lang="en-US"/>
               <a:t>Second level</a:t>
             </a:r>
           </a:p>
           <a:p>
             <a:pPr lvl="2"/>
             <a:r>
-              <a:rPr lang="en-US" smtClean="0"/>
+              <a:rPr lang="en-US"/>
               <a:t>Third level</a:t>
             </a:r>
           </a:p>
           <a:p>
             <a:pPr lvl="3"/>
             <a:r>
-              <a:rPr lang="en-US" smtClean="0"/>
+              <a:rPr lang="en-US"/>
               <a:t>Fourth level</a:t>
             </a:r>
           </a:p>
           <a:p>
             <a:pPr lvl="4"/>
             <a:r>
-              <a:rPr lang="en-US" smtClean="0"/>
+              <a:rPr lang="en-US"/>
               <a:t>Fifth level</a:t>
             </a:r>
             <a:endParaRPr lang="en-US" dirty="0"/>
@@ -13206,7 +13206,7 @@
           <a:p>
             <a:fld id="{9BE84528-8D37-4AEF-901D-3F79E4D98468}" type="datetimeFigureOut">
               <a:rPr lang="en-US" smtClean="0"/>
-              <a:t>4/11/2023</a:t>
+              <a:t>3/23/2024</a:t>
             </a:fld>
             <a:endParaRPr lang="en-US"/>
           </a:p>
@@ -13789,26 +13789,23 @@
           <a:p>
             <a:pPr algn="ctr"/>
             <a:r>
-              <a:rPr lang="en-US" dirty="0" smtClean="0">
+              <a:rPr lang="en-US" dirty="0">
                 <a:latin typeface="Arial Rounded MT Bold" panose="020F0704030504030204" pitchFamily="34" charset="0"/>
               </a:rPr>
               <a:t>Selenium3 </a:t>
             </a:r>
             <a:r>
-              <a:rPr lang="en-US" dirty="0" err="1" smtClean="0">
+              <a:rPr lang="en-US" dirty="0" err="1">
                 <a:latin typeface="Arial Rounded MT Bold" panose="020F0704030504030204" pitchFamily="34" charset="0"/>
               </a:rPr>
               <a:t>Vs</a:t>
             </a:r>
             <a:r>
-              <a:rPr lang="en-US" dirty="0" smtClean="0">
+              <a:rPr lang="en-US" dirty="0">
                 <a:latin typeface="Arial Rounded MT Bold" panose="020F0704030504030204" pitchFamily="34" charset="0"/>
               </a:rPr>
               <a:t> Selenium4</a:t>
             </a:r>
-            <a:endParaRPr lang="en-US" dirty="0">
-              <a:latin typeface="Arial Rounded MT Bold" panose="020F0704030504030204" pitchFamily="34" charset="0"/>
-            </a:endParaRPr>
           </a:p>
         </p:txBody>
       </p:sp>
@@ -13835,7 +13832,7 @@
           <a:lstStyle/>
           <a:p>
             <a:r>
-              <a:rPr lang="en-US" sz="2400" dirty="0" smtClean="0">
+              <a:rPr lang="en-US" sz="2400" dirty="0">
                 <a:solidFill>
                   <a:schemeClr val="accent1">
                     <a:lumMod val="40000"/>
@@ -13847,7 +13844,7 @@
               <a:t>Session-4								By-</a:t>
             </a:r>
             <a:r>
-              <a:rPr lang="en-US" sz="2400" dirty="0" err="1" smtClean="0">
+              <a:rPr lang="en-US" sz="2400" dirty="0" err="1">
                 <a:solidFill>
                   <a:schemeClr val="accent1">
                     <a:lumMod val="40000"/>
@@ -13859,7 +13856,7 @@
               <a:t>anshul</a:t>
             </a:r>
             <a:r>
-              <a:rPr lang="en-US" sz="2400" dirty="0" smtClean="0">
+              <a:rPr lang="en-US" sz="2400" dirty="0">
                 <a:solidFill>
                   <a:schemeClr val="accent1">
                     <a:lumMod val="40000"/>
@@ -13871,7 +13868,7 @@
               <a:t> </a:t>
             </a:r>
             <a:r>
-              <a:rPr lang="en-US" sz="2400" dirty="0" err="1" smtClean="0">
+              <a:rPr lang="en-US" sz="2400" dirty="0" err="1">
                 <a:solidFill>
                   <a:schemeClr val="accent1">
                     <a:lumMod val="40000"/>
@@ -13904,13 +13901,6 @@
   <p:clrMapOvr>
     <a:masterClrMapping/>
   </p:clrMapOvr>
-  <p:timing>
-    <p:tnLst>
-      <p:par>
-        <p:cTn id="1" dur="indefinite" restart="never" nodeType="tmRoot"/>
-      </p:par>
-    </p:tnLst>
-  </p:timing>
 </p:sld>
 </file>
 
@@ -13975,19 +13965,11 @@
           <a:p>
             <a:r>
               <a:rPr lang="en-US" b="1" dirty="0"/>
-              <a:t>Object Location</a:t>
-            </a:r>
-            <a:r>
-              <a:rPr lang="en-US" b="1" dirty="0" smtClean="0"/>
-              <a:t>:</a:t>
+              <a:t>Object Location:</a:t>
             </a:r>
             <a:r>
               <a:rPr lang="en-US" dirty="0"/>
-              <a:t> Now with Selenium 4, users can achieve the coordinates, dimension, height, width, etc. as the location of the web elements or object</a:t>
-            </a:r>
-            <a:r>
-              <a:rPr lang="en-US" dirty="0" smtClean="0"/>
-              <a:t>.</a:t>
+              <a:t> Now with Selenium 4, users can achieve the coordinates, dimension, height, width, etc. as the location of the web elements or object.</a:t>
             </a:r>
           </a:p>
           <a:p>
@@ -13995,20 +13977,16 @@
               <a:buNone/>
             </a:pPr>
             <a:r>
-              <a:rPr lang="en-US" dirty="0" smtClean="0"/>
+              <a:rPr lang="en-US" dirty="0"/>
               <a:t>	</a:t>
             </a:r>
             <a:r>
-              <a:rPr lang="en-US" dirty="0" err="1" smtClean="0"/>
+              <a:rPr lang="en-US" dirty="0" err="1"/>
               <a:t>WebElement</a:t>
             </a:r>
             <a:r>
-              <a:rPr lang="en-US" dirty="0" smtClean="0"/>
-              <a:t> </a:t>
-            </a:r>
-            <a:r>
               <a:rPr lang="en-US" dirty="0"/>
-              <a:t>logo1=</a:t>
+              <a:t> logo1=</a:t>
             </a:r>
             <a:r>
               <a:rPr lang="en-US" dirty="0" err="1"/>
@@ -14048,11 +14026,11 @@
               <a:buNone/>
             </a:pPr>
             <a:r>
-              <a:rPr lang="en-US" dirty="0" smtClean="0"/>
+              <a:rPr lang="en-US" dirty="0"/>
               <a:t>	</a:t>
             </a:r>
             <a:r>
-              <a:rPr lang="en-US" dirty="0" err="1" smtClean="0"/>
+              <a:rPr lang="en-US" dirty="0" err="1"/>
               <a:t>System.out.println</a:t>
             </a:r>
             <a:r>
@@ -14089,11 +14067,11 @@
               <a:buNone/>
             </a:pPr>
             <a:r>
-              <a:rPr lang="en-US" dirty="0" smtClean="0"/>
+              <a:rPr lang="en-US" dirty="0"/>
               <a:t>	</a:t>
             </a:r>
             <a:r>
-              <a:rPr lang="en-US" dirty="0" err="1" smtClean="0"/>
+              <a:rPr lang="en-US" dirty="0" err="1"/>
               <a:t>System.out.println</a:t>
             </a:r>
             <a:r>
@@ -14130,11 +14108,11 @@
               <a:buNone/>
             </a:pPr>
             <a:r>
-              <a:rPr lang="en-US" dirty="0" smtClean="0"/>
+              <a:rPr lang="en-US" dirty="0"/>
               <a:t>	</a:t>
             </a:r>
             <a:r>
-              <a:rPr lang="en-US" dirty="0" err="1" smtClean="0"/>
+              <a:rPr lang="en-US" dirty="0" err="1"/>
               <a:t>System.out.println</a:t>
             </a:r>
             <a:r>
@@ -14163,11 +14141,11 @@
               <a:buNone/>
             </a:pPr>
             <a:r>
-              <a:rPr lang="en-US" dirty="0" smtClean="0"/>
+              <a:rPr lang="en-US" dirty="0"/>
               <a:t>	</a:t>
             </a:r>
             <a:r>
-              <a:rPr lang="en-US" dirty="0" err="1" smtClean="0"/>
+              <a:rPr lang="en-US" dirty="0" err="1"/>
               <a:t>System.out.println</a:t>
             </a:r>
             <a:r>
@@ -14190,7 +14168,6 @@
               <a:rPr lang="en-US" dirty="0"/>
               <a:t>());</a:t>
             </a:r>
-            <a:endParaRPr lang="en-US" dirty="0" smtClean="0"/>
           </a:p>
         </p:txBody>
       </p:sp>
@@ -14204,13 +14181,6 @@
   <p:clrMapOvr>
     <a:masterClrMapping/>
   </p:clrMapOvr>
-  <p:timing>
-    <p:tnLst>
-      <p:par>
-        <p:cTn id="1" dur="indefinite" restart="never" nodeType="tmRoot"/>
-      </p:par>
-    </p:tnLst>
-  </p:timing>
 </p:sld>
 </file>
 
@@ -14278,21 +14248,12 @@
             </a:pPr>
             <a:r>
               <a:rPr lang="en-US" b="1" dirty="0"/>
-              <a:t>Relative Locators</a:t>
-            </a:r>
-            <a:r>
-              <a:rPr lang="en-US" b="1" dirty="0" smtClean="0"/>
-              <a:t>: </a:t>
-            </a:r>
-            <a:r>
-              <a:rPr lang="en-US" dirty="0" smtClean="0"/>
-              <a:t>These </a:t>
+              <a:t>Relative Locators: </a:t>
             </a:r>
             <a:r>
               <a:rPr lang="en-US" dirty="0"/>
-              <a:t>are also known as Friendly Locators, and this functionality is being added to find out the element which is present nearby to other web element or, we can say that it can find the web elements based on GUI location.</a:t>
-            </a:r>
-            <a:endParaRPr lang="en-US" dirty="0" smtClean="0"/>
+              <a:t>These are also known as Friendly Locators, and this functionality is being added to find out the element which is present nearby to other web element or, we can say that it can find the web elements based on GUI location.</a:t>
+            </a:r>
           </a:p>
           <a:p>
             <a:r>
@@ -14353,7 +14314,7 @@
             </a:r>
           </a:p>
           <a:p>
-            <a:endParaRPr lang="en-US" dirty="0" smtClean="0"/>
+            <a:endParaRPr lang="en-US" dirty="0"/>
           </a:p>
         </p:txBody>
       </p:sp>
@@ -14367,13 +14328,6 @@
   <p:clrMapOvr>
     <a:masterClrMapping/>
   </p:clrMapOvr>
-  <p:timing>
-    <p:tnLst>
-      <p:par>
-        <p:cTn id="1" dur="indefinite" restart="never" nodeType="tmRoot"/>
-      </p:par>
-    </p:tnLst>
-  </p:timing>
 </p:sld>
 </file>
 
@@ -14458,11 +14412,7 @@
             </a:r>
             <a:r>
               <a:rPr lang="en-US" dirty="0"/>
-              <a:t> tool</a:t>
-            </a:r>
-            <a:r>
-              <a:rPr lang="en-US" dirty="0" smtClean="0"/>
-              <a:t>.</a:t>
+              <a:t> tool.</a:t>
             </a:r>
           </a:p>
           <a:p>
@@ -14500,7 +14450,7 @@
             </a:r>
           </a:p>
           <a:p>
-            <a:endParaRPr lang="en-US" dirty="0" smtClean="0"/>
+            <a:endParaRPr lang="en-US" dirty="0"/>
           </a:p>
         </p:txBody>
       </p:sp>
@@ -14514,13 +14464,6 @@
   <p:clrMapOvr>
     <a:masterClrMapping/>
   </p:clrMapOvr>
-  <p:timing>
-    <p:tnLst>
-      <p:par>
-        <p:cTn id="1" dur="indefinite" restart="never" nodeType="tmRoot"/>
-      </p:par>
-    </p:tnLst>
-  </p:timing>
 </p:sld>
 </file>
 
@@ -14585,36 +14528,11 @@
           <a:p>
             <a:r>
               <a:rPr lang="en-US" b="1" dirty="0"/>
-              <a:t>Capture screenshot of specific web </a:t>
-            </a:r>
-            <a:r>
-              <a:rPr lang="en-US" b="1" dirty="0" smtClean="0"/>
-              <a:t>element: </a:t>
-            </a:r>
-            <a:r>
-              <a:rPr lang="en-US" dirty="0" smtClean="0"/>
-              <a:t>with </a:t>
+              <a:t>Capture screenshot of specific web element: </a:t>
             </a:r>
             <a:r>
               <a:rPr lang="en-US" dirty="0"/>
-              <a:t>Selenium 4, users can take the screenshot of a specific web element</a:t>
-            </a:r>
-            <a:r>
-              <a:rPr lang="en-US" dirty="0" smtClean="0"/>
-              <a:t>.</a:t>
-            </a:r>
-            <a:endParaRPr lang="en-US" dirty="0"/>
-          </a:p>
-          <a:p>
-            <a:pPr marL="0" indent="0">
-              <a:buNone/>
-            </a:pPr>
-            <a:r>
-              <a:rPr lang="en-US" dirty="0" smtClean="0">
-                <a:latin typeface="Times New Roman" panose="02020603050405020304" pitchFamily="18" charset="0"/>
-                <a:cs typeface="Times New Roman" panose="02020603050405020304" pitchFamily="18" charset="0"/>
-              </a:rPr>
-              <a:t>	</a:t>
+              <a:t>with Selenium 4, users can take the screenshot of a specific web element.</a:t>
             </a:r>
           </a:p>
           <a:p>
@@ -14628,26 +14546,31 @@
               </a:rPr>
               <a:t>	</a:t>
             </a:r>
-            <a:r>
-              <a:rPr lang="en-US" dirty="0" err="1" smtClean="0">
+          </a:p>
+          <a:p>
+            <a:pPr marL="0" indent="0">
+              <a:buNone/>
+            </a:pPr>
+            <a:r>
+              <a:rPr lang="en-US" dirty="0">
+                <a:latin typeface="Times New Roman" panose="02020603050405020304" pitchFamily="18" charset="0"/>
+                <a:cs typeface="Times New Roman" panose="02020603050405020304" pitchFamily="18" charset="0"/>
+              </a:rPr>
+              <a:t>	</a:t>
+            </a:r>
+            <a:r>
+              <a:rPr lang="en-US" dirty="0" err="1">
                 <a:latin typeface="Times New Roman" panose="02020603050405020304" pitchFamily="18" charset="0"/>
                 <a:cs typeface="Times New Roman" panose="02020603050405020304" pitchFamily="18" charset="0"/>
               </a:rPr>
               <a:t>WebElement</a:t>
             </a:r>
             <a:r>
-              <a:rPr lang="en-US" dirty="0" smtClean="0">
-                <a:latin typeface="Times New Roman" panose="02020603050405020304" pitchFamily="18" charset="0"/>
-                <a:cs typeface="Times New Roman" panose="02020603050405020304" pitchFamily="18" charset="0"/>
-              </a:rPr>
-              <a:t> </a:t>
-            </a:r>
-            <a:r>
               <a:rPr lang="en-US" dirty="0">
                 <a:latin typeface="Times New Roman" panose="02020603050405020304" pitchFamily="18" charset="0"/>
                 <a:cs typeface="Times New Roman" panose="02020603050405020304" pitchFamily="18" charset="0"/>
               </a:rPr>
-              <a:t>logo=</a:t>
+              <a:t> logo=</a:t>
             </a:r>
             <a:r>
               <a:rPr lang="en-US" dirty="0" err="1">
@@ -14711,18 +14634,11 @@
               <a:buNone/>
             </a:pPr>
             <a:r>
-              <a:rPr lang="en-US" dirty="0" smtClean="0">
-                <a:latin typeface="Times New Roman" panose="02020603050405020304" pitchFamily="18" charset="0"/>
-                <a:cs typeface="Times New Roman" panose="02020603050405020304" pitchFamily="18" charset="0"/>
-              </a:rPr>
-              <a:t>	File </a:t>
-            </a:r>
-            <a:r>
               <a:rPr lang="en-US" dirty="0">
                 <a:latin typeface="Times New Roman" panose="02020603050405020304" pitchFamily="18" charset="0"/>
                 <a:cs typeface="Times New Roman" panose="02020603050405020304" pitchFamily="18" charset="0"/>
               </a:rPr>
-              <a:t>file=</a:t>
+              <a:t>	File file=</a:t>
             </a:r>
             <a:r>
               <a:rPr lang="en-US" dirty="0" err="1">
@@ -14758,7 +14674,7 @@
               <a:buNone/>
             </a:pPr>
             <a:r>
-              <a:rPr lang="en-US" dirty="0" smtClean="0">
+              <a:rPr lang="en-US" dirty="0">
                 <a:latin typeface="Times New Roman" panose="02020603050405020304" pitchFamily="18" charset="0"/>
                 <a:cs typeface="Times New Roman" panose="02020603050405020304" pitchFamily="18" charset="0"/>
               </a:rPr>
@@ -14784,28 +14700,28 @@
               <a:buNone/>
             </a:pPr>
             <a:r>
-              <a:rPr lang="en-US" dirty="0" smtClean="0">
+              <a:rPr lang="en-US" dirty="0">
                 <a:latin typeface="Times New Roman" panose="02020603050405020304" pitchFamily="18" charset="0"/>
                 <a:cs typeface="Times New Roman" panose="02020603050405020304" pitchFamily="18" charset="0"/>
               </a:rPr>
               <a:t>	</a:t>
             </a:r>
             <a:r>
-              <a:rPr lang="en-US" dirty="0" err="1" smtClean="0">
+              <a:rPr lang="en-US" dirty="0" err="1">
                 <a:latin typeface="Times New Roman" panose="02020603050405020304" pitchFamily="18" charset="0"/>
                 <a:cs typeface="Times New Roman" panose="02020603050405020304" pitchFamily="18" charset="0"/>
               </a:rPr>
               <a:t>FileUtils.copyFile</a:t>
             </a:r>
             <a:r>
-              <a:rPr lang="en-US" dirty="0" smtClean="0">
+              <a:rPr lang="en-US" dirty="0">
                 <a:latin typeface="Times New Roman" panose="02020603050405020304" pitchFamily="18" charset="0"/>
                 <a:cs typeface="Times New Roman" panose="02020603050405020304" pitchFamily="18" charset="0"/>
               </a:rPr>
               <a:t>(</a:t>
             </a:r>
             <a:r>
-              <a:rPr lang="en-US" dirty="0" err="1" smtClean="0">
+              <a:rPr lang="en-US" dirty="0" err="1">
                 <a:latin typeface="Times New Roman" panose="02020603050405020304" pitchFamily="18" charset="0"/>
                 <a:cs typeface="Times New Roman" panose="02020603050405020304" pitchFamily="18" charset="0"/>
               </a:rPr>
@@ -14818,10 +14734,6 @@
               </a:rPr>
               <a:t>);</a:t>
             </a:r>
-            <a:endParaRPr lang="en-US" dirty="0" smtClean="0">
-              <a:latin typeface="Times New Roman" panose="02020603050405020304" pitchFamily="18" charset="0"/>
-              <a:cs typeface="Times New Roman" panose="02020603050405020304" pitchFamily="18" charset="0"/>
-            </a:endParaRPr>
           </a:p>
         </p:txBody>
       </p:sp>
@@ -14835,13 +14747,6 @@
   <p:clrMapOvr>
     <a:masterClrMapping/>
   </p:clrMapOvr>
-  <p:timing>
-    <p:tnLst>
-      <p:par>
-        <p:cTn id="1" dur="indefinite" restart="never" nodeType="tmRoot"/>
-      </p:par>
-    </p:tnLst>
-  </p:timing>
 </p:sld>
 </file>
 
@@ -14906,19 +14811,11 @@
           <a:p>
             <a:r>
               <a:rPr lang="en-US" b="1" dirty="0"/>
-              <a:t>Open the new tab on the </a:t>
-            </a:r>
-            <a:r>
-              <a:rPr lang="en-US" b="1" dirty="0" smtClean="0"/>
-              <a:t>browser: </a:t>
-            </a:r>
-            <a:r>
-              <a:rPr lang="en-US" dirty="0" smtClean="0"/>
-              <a:t>Now</a:t>
+              <a:t>Open the new tab on the browser: </a:t>
             </a:r>
             <a:r>
               <a:rPr lang="en-US" dirty="0"/>
-              <a:t>, in Selenium 4, the user can open a URL in a new tab along with the existing tab.</a:t>
+              <a:t>Now, in Selenium 4, the user can open a URL in a new tab along with the existing tab.</a:t>
             </a:r>
           </a:p>
           <a:p>
@@ -14928,29 +14825,7 @@
             </a:r>
             <a:r>
               <a:rPr lang="en-US" dirty="0"/>
-              <a:t> If the user wants to open 2 URLs in two different tabs at the same time, the user can do that with </a:t>
-            </a:r>
-            <a:r>
-              <a:rPr lang="en-US" dirty="0" smtClean="0"/>
-              <a:t>the </a:t>
-            </a:r>
-            <a:r>
-              <a:rPr lang="en-US" dirty="0"/>
-              <a:t>Selenium 4</a:t>
-            </a:r>
-            <a:r>
-              <a:rPr lang="en-US" dirty="0" smtClean="0"/>
-              <a:t>.</a:t>
-            </a:r>
-            <a:endParaRPr lang="en-US" dirty="0"/>
-          </a:p>
-          <a:p>
-            <a:pPr marL="0" indent="0">
-              <a:buNone/>
-            </a:pPr>
-            <a:r>
-              <a:rPr lang="en-US" dirty="0" smtClean="0"/>
-              <a:t>	</a:t>
+              <a:t> If the user wants to open 2 URLs in two different tabs at the same time, the user can do that with the Selenium 4.</a:t>
             </a:r>
           </a:p>
           <a:p>
@@ -14961,17 +14836,22 @@
               <a:rPr lang="en-US" dirty="0"/>
               <a:t>	</a:t>
             </a:r>
-            <a:r>
-              <a:rPr lang="en-US" dirty="0" err="1" smtClean="0"/>
+          </a:p>
+          <a:p>
+            <a:pPr marL="0" indent="0">
+              <a:buNone/>
+            </a:pPr>
+            <a:r>
+              <a:rPr lang="en-US" dirty="0"/>
+              <a:t>	</a:t>
+            </a:r>
+            <a:r>
+              <a:rPr lang="en-US" dirty="0" err="1"/>
               <a:t>driver.get</a:t>
             </a:r>
             <a:r>
-              <a:rPr lang="en-US" dirty="0" smtClean="0"/>
-              <a:t>(https</a:t>
-            </a:r>
-            <a:r>
               <a:rPr lang="en-US" dirty="0"/>
-              <a:t>://www.google.com/);</a:t>
+              <a:t>(https://www.google.com/);</a:t>
             </a:r>
           </a:p>
           <a:p>
@@ -14979,11 +14859,11 @@
               <a:buNone/>
             </a:pPr>
             <a:r>
-              <a:rPr lang="en-US" dirty="0" smtClean="0"/>
+              <a:rPr lang="en-US" dirty="0"/>
               <a:t>	</a:t>
             </a:r>
             <a:r>
-              <a:rPr lang="en-US" dirty="0" err="1" smtClean="0"/>
+              <a:rPr lang="en-US" dirty="0" err="1"/>
               <a:t>driver.switchTo</a:t>
             </a:r>
             <a:r>
@@ -15012,11 +14892,11 @@
               <a:buNone/>
             </a:pPr>
             <a:r>
-              <a:rPr lang="en-US" dirty="0" smtClean="0"/>
+              <a:rPr lang="en-US" dirty="0"/>
               <a:t>	</a:t>
             </a:r>
             <a:r>
-              <a:rPr lang="en-US" dirty="0" err="1" smtClean="0"/>
+              <a:rPr lang="en-US" dirty="0" err="1"/>
               <a:t>driver.navigate</a:t>
             </a:r>
             <a:r>
@@ -15036,13 +14916,6 @@
   <p:clrMapOvr>
     <a:masterClrMapping/>
   </p:clrMapOvr>
-  <p:timing>
-    <p:tnLst>
-      <p:par>
-        <p:cTn id="1" dur="indefinite" restart="never" nodeType="tmRoot"/>
-      </p:par>
-    </p:tnLst>
-  </p:timing>
 </p:sld>
 </file>
 
@@ -15107,11 +14980,7 @@
           <a:p>
             <a:r>
               <a:rPr lang="en-US" b="1" dirty="0"/>
-              <a:t>Open a new window on the browser</a:t>
-            </a:r>
-            <a:r>
-              <a:rPr lang="en-US" b="1" dirty="0" smtClean="0"/>
-              <a:t>: </a:t>
+              <a:t>Open a new window on the browser: </a:t>
             </a:r>
             <a:r>
               <a:rPr lang="en-US" dirty="0"/>
@@ -15133,18 +15002,18 @@
               <a:buNone/>
             </a:pPr>
             <a:r>
-              <a:rPr lang="en-US" dirty="0" smtClean="0"/>
-              <a:t>	</a:t>
-            </a:r>
-          </a:p>
-          <a:p>
-            <a:pPr marL="0" indent="0">
-              <a:buNone/>
-            </a:pPr>
-            <a:r>
               <a:rPr lang="en-US" dirty="0"/>
               <a:t>	</a:t>
             </a:r>
+          </a:p>
+          <a:p>
+            <a:pPr marL="0" indent="0">
+              <a:buNone/>
+            </a:pPr>
+            <a:r>
+              <a:rPr lang="en-US" dirty="0"/>
+              <a:t>	</a:t>
+            </a:r>
             <a:r>
               <a:rPr lang="en-US" dirty="0" err="1"/>
               <a:t>driver.get</a:t>
@@ -15159,11 +15028,11 @@
               <a:buNone/>
             </a:pPr>
             <a:r>
-              <a:rPr lang="en-US" dirty="0" smtClean="0"/>
+              <a:rPr lang="en-US" dirty="0"/>
               <a:t>	</a:t>
             </a:r>
             <a:r>
-              <a:rPr lang="en-US" dirty="0" err="1" smtClean="0"/>
+              <a:rPr lang="en-US" dirty="0" err="1"/>
               <a:t>driver.switchTo</a:t>
             </a:r>
             <a:r>
@@ -15192,11 +15061,11 @@
               <a:buNone/>
             </a:pPr>
             <a:r>
-              <a:rPr lang="en-US" dirty="0" smtClean="0"/>
+              <a:rPr lang="en-US" dirty="0"/>
               <a:t>	</a:t>
             </a:r>
             <a:r>
-              <a:rPr lang="en-US" dirty="0" err="1" smtClean="0"/>
+              <a:rPr lang="en-US" dirty="0" err="1"/>
               <a:t>driver.navigate</a:t>
             </a:r>
             <a:r>
@@ -15216,13 +15085,6 @@
   <p:clrMapOvr>
     <a:masterClrMapping/>
   </p:clrMapOvr>
-  <p:timing>
-    <p:tnLst>
-      <p:par>
-        <p:cTn id="1" dur="indefinite" restart="never" nodeType="tmRoot"/>
-      </p:par>
-    </p:tnLst>
-  </p:timing>
 </p:sld>
 </file>
 
@@ -15259,10 +15121,9 @@
           <a:lstStyle/>
           <a:p>
             <a:r>
-              <a:rPr lang="en-US" dirty="0" smtClean="0"/>
+              <a:rPr lang="en-US" dirty="0"/>
               <a:t>Topics that will be Covered</a:t>
             </a:r>
-            <a:endParaRPr lang="en-US" dirty="0"/>
           </a:p>
         </p:txBody>
       </p:sp>
@@ -15288,55 +15149,31 @@
           <a:p>
             <a:r>
               <a:rPr lang="en-US" dirty="0"/>
-              <a:t>Architecture </a:t>
-            </a:r>
-            <a:r>
-              <a:rPr lang="en-US" dirty="0" smtClean="0"/>
-              <a:t>Changes</a:t>
-            </a:r>
-          </a:p>
-          <a:p>
-            <a:r>
-              <a:rPr lang="en-US" dirty="0" smtClean="0"/>
+              <a:t>Architecture Changes</a:t>
+            </a:r>
+          </a:p>
+          <a:p>
+            <a:r>
+              <a:rPr lang="en-US" dirty="0"/>
               <a:t>Capabilities</a:t>
             </a:r>
           </a:p>
           <a:p>
             <a:r>
               <a:rPr lang="en-US" dirty="0"/>
-              <a:t>Find </a:t>
-            </a:r>
-            <a:r>
-              <a:rPr lang="en-US" dirty="0" smtClean="0"/>
-              <a:t>element/elements(s</a:t>
-            </a:r>
+              <a:t>Find element/elements(s) utility methods in Java</a:t>
+            </a:r>
+          </a:p>
+          <a:p>
             <a:r>
               <a:rPr lang="en-US" dirty="0"/>
-              <a:t>) utility methods in </a:t>
-            </a:r>
-            <a:r>
-              <a:rPr lang="en-US" dirty="0" smtClean="0"/>
-              <a:t>Java</a:t>
+              <a:t>Waits and Timeout</a:t>
             </a:r>
           </a:p>
           <a:p>
             <a:r>
               <a:rPr lang="en-US" dirty="0"/>
-              <a:t>Waits and </a:t>
-            </a:r>
-            <a:r>
-              <a:rPr lang="en-US" dirty="0" smtClean="0"/>
-              <a:t>Timeout</a:t>
-            </a:r>
-          </a:p>
-          <a:p>
-            <a:r>
-              <a:rPr lang="en-US" dirty="0"/>
-              <a:t>Modifications in the Actions </a:t>
-            </a:r>
-            <a:r>
-              <a:rPr lang="en-US" dirty="0" smtClean="0"/>
-              <a:t>Class</a:t>
+              <a:t>Modifications in the Actions Class</a:t>
             </a:r>
           </a:p>
           <a:p>
@@ -15393,10 +15230,9 @@
           <a:lstStyle/>
           <a:p>
             <a:r>
-              <a:rPr lang="en-US" dirty="0" smtClean="0"/>
+              <a:rPr lang="en-US" dirty="0"/>
               <a:t>Architecture Changes</a:t>
             </a:r>
-            <a:endParaRPr lang="en-US" dirty="0"/>
           </a:p>
         </p:txBody>
       </p:sp>
@@ -15447,28 +15283,7 @@
                 <a:latin typeface="Times New Roman" panose="02020603050405020304" pitchFamily="18" charset="0"/>
                 <a:cs typeface="Times New Roman" panose="02020603050405020304" pitchFamily="18" charset="0"/>
               </a:rPr>
-              <a:t>. However, Selenium 4 does not include the JSON Wire Protocol, and that’s the contrast </a:t>
-            </a:r>
-            <a:r>
-              <a:rPr lang="en-US" dirty="0" smtClean="0">
-                <a:latin typeface="Times New Roman" panose="02020603050405020304" pitchFamily="18" charset="0"/>
-                <a:cs typeface="Times New Roman" panose="02020603050405020304" pitchFamily="18" charset="0"/>
-              </a:rPr>
-              <a:t>between </a:t>
-            </a:r>
-            <a:r>
-              <a:rPr lang="en-US" dirty="0">
-                <a:latin typeface="Times New Roman" panose="02020603050405020304" pitchFamily="18" charset="0"/>
-                <a:cs typeface="Times New Roman" panose="02020603050405020304" pitchFamily="18" charset="0"/>
-              </a:rPr>
-              <a:t>Selenium 3 and Selenium 4</a:t>
-            </a:r>
-            <a:r>
-              <a:rPr lang="en-US" dirty="0" smtClean="0">
-                <a:latin typeface="Times New Roman" panose="02020603050405020304" pitchFamily="18" charset="0"/>
-                <a:cs typeface="Times New Roman" panose="02020603050405020304" pitchFamily="18" charset="0"/>
-              </a:rPr>
-              <a:t>.</a:t>
+              <a:t>. However, Selenium 4 does not include the JSON Wire Protocol, and that’s the contrast between Selenium 3 and Selenium 4.</a:t>
             </a:r>
           </a:p>
           <a:p>
@@ -15557,13 +15372,6 @@
   <p:clrMapOvr>
     <a:masterClrMapping/>
   </p:clrMapOvr>
-  <p:timing>
-    <p:tnLst>
-      <p:par>
-        <p:cTn id="1" dur="indefinite" restart="never" nodeType="tmRoot"/>
-      </p:par>
-    </p:tnLst>
-  </p:timing>
 </p:sld>
 </file>
 
@@ -15632,21 +15440,12 @@
               <a:buNone/>
             </a:pPr>
             <a:r>
-              <a:rPr lang="en-US" sz="2400" dirty="0" smtClean="0">
+              <a:rPr lang="en-US" sz="2400" dirty="0">
                 <a:latin typeface="Times New Roman" panose="02020603050405020304" pitchFamily="18" charset="0"/>
                 <a:cs typeface="Times New Roman" panose="02020603050405020304" pitchFamily="18" charset="0"/>
               </a:rPr>
               <a:t>Selenium 3-</a:t>
             </a:r>
-          </a:p>
-          <a:p>
-            <a:pPr marL="0" indent="0">
-              <a:buNone/>
-            </a:pPr>
-            <a:endParaRPr lang="en-US" sz="2400" dirty="0" smtClean="0">
-              <a:latin typeface="Times New Roman" panose="02020603050405020304" pitchFamily="18" charset="0"/>
-              <a:cs typeface="Times New Roman" panose="02020603050405020304" pitchFamily="18" charset="0"/>
-            </a:endParaRPr>
           </a:p>
           <a:p>
             <a:pPr marL="0" indent="0">
@@ -15661,7 +15460,7 @@
             <a:pPr marL="0" indent="0">
               <a:buNone/>
             </a:pPr>
-            <a:endParaRPr lang="en-US" sz="2400" dirty="0" smtClean="0">
+            <a:endParaRPr lang="en-US" sz="2400" dirty="0">
               <a:latin typeface="Times New Roman" panose="02020603050405020304" pitchFamily="18" charset="0"/>
               <a:cs typeface="Times New Roman" panose="02020603050405020304" pitchFamily="18" charset="0"/>
             </a:endParaRPr>
@@ -15679,7 +15478,7 @@
             <a:pPr marL="0" indent="0">
               <a:buNone/>
             </a:pPr>
-            <a:endParaRPr lang="en-US" sz="2400" dirty="0" smtClean="0">
+            <a:endParaRPr lang="en-US" sz="2400" dirty="0">
               <a:latin typeface="Times New Roman" panose="02020603050405020304" pitchFamily="18" charset="0"/>
               <a:cs typeface="Times New Roman" panose="02020603050405020304" pitchFamily="18" charset="0"/>
             </a:endParaRPr>
@@ -15697,7 +15496,7 @@
             <a:pPr marL="0" indent="0">
               <a:buNone/>
             </a:pPr>
-            <a:endParaRPr lang="en-US" sz="2400" dirty="0" smtClean="0">
+            <a:endParaRPr lang="en-US" sz="2400" dirty="0">
               <a:latin typeface="Times New Roman" panose="02020603050405020304" pitchFamily="18" charset="0"/>
               <a:cs typeface="Times New Roman" panose="02020603050405020304" pitchFamily="18" charset="0"/>
             </a:endParaRPr>
@@ -15706,8 +15505,17 @@
             <a:pPr marL="0" indent="0">
               <a:buNone/>
             </a:pPr>
-            <a:r>
-              <a:rPr lang="en-US" sz="2400" dirty="0" smtClean="0">
+            <a:endParaRPr lang="en-US" sz="2400" dirty="0">
+              <a:latin typeface="Times New Roman" panose="02020603050405020304" pitchFamily="18" charset="0"/>
+              <a:cs typeface="Times New Roman" panose="02020603050405020304" pitchFamily="18" charset="0"/>
+            </a:endParaRPr>
+          </a:p>
+          <a:p>
+            <a:pPr marL="0" indent="0">
+              <a:buNone/>
+            </a:pPr>
+            <a:r>
+              <a:rPr lang="en-US" sz="2400" dirty="0">
                 <a:latin typeface="Times New Roman" panose="02020603050405020304" pitchFamily="18" charset="0"/>
                 <a:cs typeface="Times New Roman" panose="02020603050405020304" pitchFamily="18" charset="0"/>
               </a:rPr>
@@ -15741,7 +15549,7 @@
         </p:blipFill>
         <p:spPr>
           <a:xfrm>
-            <a:off x="346509" y="2793111"/>
+            <a:off x="0" y="2806656"/>
             <a:ext cx="5757311" cy="3241929"/>
           </a:xfrm>
           <a:prstGeom prst="rect">
@@ -15783,13 +15591,6 @@
   <p:clrMapOvr>
     <a:masterClrMapping/>
   </p:clrMapOvr>
-  <p:timing>
-    <p:tnLst>
-      <p:par>
-        <p:cTn id="1" dur="indefinite" restart="never" nodeType="tmRoot"/>
-      </p:par>
-    </p:tnLst>
-  </p:timing>
 </p:sld>
 </file>
 
@@ -15827,15 +15628,7 @@
           <a:p>
             <a:r>
               <a:rPr lang="en-US" dirty="0"/>
-              <a:t>Find </a:t>
-            </a:r>
-            <a:r>
-              <a:rPr lang="en-US" dirty="0" smtClean="0"/>
-              <a:t>element </a:t>
-            </a:r>
-            <a:r>
-              <a:rPr lang="en-US" dirty="0"/>
-              <a:t>utility methods in Java</a:t>
+              <a:t>Find element utility methods in Java</a:t>
             </a:r>
           </a:p>
         </p:txBody>
@@ -15876,13 +15669,6 @@
   <p:clrMapOvr>
     <a:masterClrMapping/>
   </p:clrMapOvr>
-  <p:timing>
-    <p:tnLst>
-      <p:par>
-        <p:cTn id="1" dur="indefinite" restart="never" nodeType="tmRoot"/>
-      </p:par>
-    </p:tnLst>
-  </p:timing>
 </p:sld>
 </file>
 
@@ -15959,13 +15745,6 @@
   <p:clrMapOvr>
     <a:masterClrMapping/>
   </p:clrMapOvr>
-  <p:timing>
-    <p:tnLst>
-      <p:par>
-        <p:cTn id="1" dur="indefinite" restart="never" nodeType="tmRoot"/>
-      </p:par>
-    </p:tnLst>
-  </p:timing>
 </p:sld>
 </file>
 
@@ -16048,12 +15827,8 @@
           </a:p>
           <a:p>
             <a:r>
-              <a:rPr lang="en-US" b="1" dirty="0" smtClean="0"/>
-              <a:t>In </a:t>
-            </a:r>
-            <a:r>
               <a:rPr lang="en-US" b="1" dirty="0"/>
-              <a:t>Selenium 3- </a:t>
+              <a:t>In Selenium 3- </a:t>
             </a:r>
           </a:p>
           <a:p>
@@ -16251,13 +16026,6 @@
   <p:clrMapOvr>
     <a:masterClrMapping/>
   </p:clrMapOvr>
-  <p:timing>
-    <p:tnLst>
-      <p:par>
-        <p:cTn id="1" dur="indefinite" restart="never" nodeType="tmRoot"/>
-      </p:par>
-    </p:tnLst>
-  </p:timing>
 </p:sld>
 </file>
 
@@ -16400,14 +16168,7 @@
                 <a:latin typeface="Times New Roman" panose="02020603050405020304" pitchFamily="18" charset="0"/>
                 <a:cs typeface="Times New Roman" panose="02020603050405020304" pitchFamily="18" charset="0"/>
               </a:rPr>
-              <a:t> unit) to expect (Duration duration</a:t>
-            </a:r>
-            <a:r>
-              <a:rPr lang="en-US" sz="1400" dirty="0" smtClean="0">
-                <a:latin typeface="Times New Roman" panose="02020603050405020304" pitchFamily="18" charset="0"/>
-                <a:cs typeface="Times New Roman" panose="02020603050405020304" pitchFamily="18" charset="0"/>
-              </a:rPr>
-              <a:t>).</a:t>
+              <a:t> unit) to expect (Duration duration).</a:t>
             </a:r>
           </a:p>
           <a:p>
@@ -16485,19 +16246,8 @@
                 <a:latin typeface="Times New Roman" panose="02020603050405020304" pitchFamily="18" charset="0"/>
                 <a:cs typeface="Times New Roman" panose="02020603050405020304" pitchFamily="18" charset="0"/>
               </a:rPr>
-              <a:t>("#id</a:t>
-            </a:r>
-            <a:r>
-              <a:rPr lang="en-US" sz="1600" dirty="0" smtClean="0">
-                <a:latin typeface="Times New Roman" panose="02020603050405020304" pitchFamily="18" charset="0"/>
-                <a:cs typeface="Times New Roman" panose="02020603050405020304" pitchFamily="18" charset="0"/>
-              </a:rPr>
-              <a:t>")));</a:t>
-            </a:r>
-            <a:endParaRPr lang="en-US" sz="1600" dirty="0">
-              <a:latin typeface="Times New Roman" panose="02020603050405020304" pitchFamily="18" charset="0"/>
-              <a:cs typeface="Times New Roman" panose="02020603050405020304" pitchFamily="18" charset="0"/>
-            </a:endParaRPr>
+              <a:t>("#id")));</a:t>
+            </a:r>
           </a:p>
           <a:p>
             <a:pPr marL="0" indent="0">
@@ -16931,13 +16681,6 @@
   <p:clrMapOvr>
     <a:masterClrMapping/>
   </p:clrMapOvr>
-  <p:timing>
-    <p:tnLst>
-      <p:par>
-        <p:cTn id="1" dur="indefinite" restart="never" nodeType="tmRoot"/>
-      </p:par>
-    </p:tnLst>
-  </p:timing>
 </p:sld>
 </file>
 
@@ -17053,14 +16796,14 @@
               <a:buNone/>
             </a:pPr>
             <a:r>
-              <a:rPr lang="en-US" sz="2000" b="1" dirty="0" smtClean="0">
+              <a:rPr lang="en-US" sz="2000" b="1" dirty="0">
                 <a:latin typeface="Times New Roman" panose="02020603050405020304" pitchFamily="18" charset="0"/>
                 <a:cs typeface="Times New Roman" panose="02020603050405020304" pitchFamily="18" charset="0"/>
               </a:rPr>
               <a:t>	</a:t>
             </a:r>
             <a:r>
-              <a:rPr lang="en-US" sz="2000" b="1" dirty="0" smtClean="0">
+              <a:rPr lang="en-US" sz="2000" b="1" dirty="0">
                 <a:solidFill>
                   <a:schemeClr val="accent6">
                     <a:lumMod val="50000"/>
@@ -17072,7 +16815,7 @@
               <a:t>click(</a:t>
             </a:r>
             <a:r>
-              <a:rPr lang="en-US" sz="2000" b="1" dirty="0" err="1" smtClean="0">
+              <a:rPr lang="en-US" sz="2000" b="1" dirty="0" err="1">
                 <a:solidFill>
                   <a:schemeClr val="accent6">
                     <a:lumMod val="50000"/>
@@ -17183,42 +16926,42 @@
           </a:p>
           <a:p>
             <a:r>
-              <a:rPr lang="en-US" dirty="0" err="1" smtClean="0">
+              <a:rPr lang="en-US" dirty="0" err="1">
                 <a:latin typeface="Times New Roman" panose="02020603050405020304" pitchFamily="18" charset="0"/>
                 <a:cs typeface="Times New Roman" panose="02020603050405020304" pitchFamily="18" charset="0"/>
               </a:rPr>
               <a:t>moveToElement</a:t>
             </a:r>
             <a:r>
-              <a:rPr lang="en-US" dirty="0" smtClean="0">
+              <a:rPr lang="en-US" dirty="0">
                 <a:latin typeface="Times New Roman" panose="02020603050405020304" pitchFamily="18" charset="0"/>
                 <a:cs typeface="Times New Roman" panose="02020603050405020304" pitchFamily="18" charset="0"/>
               </a:rPr>
               <a:t>(</a:t>
             </a:r>
             <a:r>
-              <a:rPr lang="en-US" dirty="0" err="1" smtClean="0">
+              <a:rPr lang="en-US" dirty="0" err="1">
                 <a:latin typeface="Times New Roman" panose="02020603050405020304" pitchFamily="18" charset="0"/>
                 <a:cs typeface="Times New Roman" panose="02020603050405020304" pitchFamily="18" charset="0"/>
               </a:rPr>
               <a:t>onElement</a:t>
             </a:r>
             <a:r>
-              <a:rPr lang="en-US" dirty="0" smtClean="0">
+              <a:rPr lang="en-US" dirty="0">
                 <a:latin typeface="Times New Roman" panose="02020603050405020304" pitchFamily="18" charset="0"/>
                 <a:cs typeface="Times New Roman" panose="02020603050405020304" pitchFamily="18" charset="0"/>
               </a:rPr>
               <a:t>).</a:t>
             </a:r>
             <a:r>
-              <a:rPr lang="en-US" dirty="0" err="1" smtClean="0">
+              <a:rPr lang="en-US" dirty="0" err="1">
                 <a:latin typeface="Times New Roman" panose="02020603050405020304" pitchFamily="18" charset="0"/>
                 <a:cs typeface="Times New Roman" panose="02020603050405020304" pitchFamily="18" charset="0"/>
               </a:rPr>
               <a:t>clickAndHold</a:t>
             </a:r>
             <a:r>
-              <a:rPr lang="en-US" dirty="0" smtClean="0">
+              <a:rPr lang="en-US" dirty="0">
                 <a:latin typeface="Times New Roman" panose="02020603050405020304" pitchFamily="18" charset="0"/>
                 <a:cs typeface="Times New Roman" panose="02020603050405020304" pitchFamily="18" charset="0"/>
               </a:rPr>
@@ -17233,7 +16976,7 @@
               <a:t></a:t>
             </a:r>
             <a:r>
-              <a:rPr lang="en-US" dirty="0" err="1" smtClean="0">
+              <a:rPr lang="en-US" dirty="0" err="1">
                 <a:latin typeface="Times New Roman" panose="02020603050405020304" pitchFamily="18" charset="0"/>
                 <a:cs typeface="Times New Roman" panose="02020603050405020304" pitchFamily="18" charset="0"/>
                 <a:sym typeface="Wingdings" panose="05000000000000000000" pitchFamily="2" charset="2"/>
@@ -17241,7 +16984,7 @@
               <a:t>clickAndHold</a:t>
             </a:r>
             <a:r>
-              <a:rPr lang="en-US" dirty="0" smtClean="0">
+              <a:rPr lang="en-US" dirty="0">
                 <a:latin typeface="Times New Roman" panose="02020603050405020304" pitchFamily="18" charset="0"/>
                 <a:cs typeface="Times New Roman" panose="02020603050405020304" pitchFamily="18" charset="0"/>
                 <a:sym typeface="Wingdings" panose="05000000000000000000" pitchFamily="2" charset="2"/>
@@ -17249,7 +16992,7 @@
               <a:t>(</a:t>
             </a:r>
             <a:r>
-              <a:rPr lang="en-US" dirty="0" err="1" smtClean="0">
+              <a:rPr lang="en-US" dirty="0" err="1">
                 <a:latin typeface="Times New Roman" panose="02020603050405020304" pitchFamily="18" charset="0"/>
                 <a:cs typeface="Times New Roman" panose="02020603050405020304" pitchFamily="18" charset="0"/>
                 <a:sym typeface="Wingdings" panose="05000000000000000000" pitchFamily="2" charset="2"/>
@@ -17257,7 +17000,7 @@
               <a:t>WebElement</a:t>
             </a:r>
             <a:r>
-              <a:rPr lang="en-US" dirty="0" smtClean="0">
+              <a:rPr lang="en-US" dirty="0">
                 <a:latin typeface="Times New Roman" panose="02020603050405020304" pitchFamily="18" charset="0"/>
                 <a:cs typeface="Times New Roman" panose="02020603050405020304" pitchFamily="18" charset="0"/>
                 <a:sym typeface="Wingdings" panose="05000000000000000000" pitchFamily="2" charset="2"/>
@@ -17267,42 +17010,42 @@
           </a:p>
           <a:p>
             <a:r>
-              <a:rPr lang="en-US" dirty="0" err="1" smtClean="0">
+              <a:rPr lang="en-US" dirty="0" err="1">
                 <a:latin typeface="Times New Roman" panose="02020603050405020304" pitchFamily="18" charset="0"/>
                 <a:cs typeface="Times New Roman" panose="02020603050405020304" pitchFamily="18" charset="0"/>
               </a:rPr>
               <a:t>moveToElement</a:t>
             </a:r>
             <a:r>
-              <a:rPr lang="en-US" dirty="0" smtClean="0">
+              <a:rPr lang="en-US" dirty="0">
                 <a:latin typeface="Times New Roman" panose="02020603050405020304" pitchFamily="18" charset="0"/>
                 <a:cs typeface="Times New Roman" panose="02020603050405020304" pitchFamily="18" charset="0"/>
               </a:rPr>
               <a:t>(</a:t>
             </a:r>
             <a:r>
-              <a:rPr lang="en-US" dirty="0" err="1" smtClean="0">
+              <a:rPr lang="en-US" dirty="0" err="1">
                 <a:latin typeface="Times New Roman" panose="02020603050405020304" pitchFamily="18" charset="0"/>
                 <a:cs typeface="Times New Roman" panose="02020603050405020304" pitchFamily="18" charset="0"/>
               </a:rPr>
               <a:t>onElement</a:t>
             </a:r>
             <a:r>
-              <a:rPr lang="en-US" dirty="0" smtClean="0">
+              <a:rPr lang="en-US" dirty="0">
                 <a:latin typeface="Times New Roman" panose="02020603050405020304" pitchFamily="18" charset="0"/>
                 <a:cs typeface="Times New Roman" panose="02020603050405020304" pitchFamily="18" charset="0"/>
               </a:rPr>
               <a:t>).</a:t>
             </a:r>
             <a:r>
-              <a:rPr lang="en-US" dirty="0" err="1" smtClean="0">
+              <a:rPr lang="en-US" dirty="0" err="1">
                 <a:latin typeface="Times New Roman" panose="02020603050405020304" pitchFamily="18" charset="0"/>
                 <a:cs typeface="Times New Roman" panose="02020603050405020304" pitchFamily="18" charset="0"/>
               </a:rPr>
               <a:t>contextClick</a:t>
             </a:r>
             <a:r>
-              <a:rPr lang="en-US" dirty="0" smtClean="0">
+              <a:rPr lang="en-US" dirty="0">
                 <a:latin typeface="Times New Roman" panose="02020603050405020304" pitchFamily="18" charset="0"/>
                 <a:cs typeface="Times New Roman" panose="02020603050405020304" pitchFamily="18" charset="0"/>
               </a:rPr>
@@ -17341,7 +17084,7 @@
               <a:t>WebElement</a:t>
             </a:r>
             <a:r>
-              <a:rPr lang="en-US" dirty="0" smtClean="0">
+              <a:rPr lang="en-US" dirty="0">
                 <a:latin typeface="Times New Roman" panose="02020603050405020304" pitchFamily="18" charset="0"/>
                 <a:cs typeface="Times New Roman" panose="02020603050405020304" pitchFamily="18" charset="0"/>
                 <a:sym typeface="Wingdings" panose="05000000000000000000" pitchFamily="2" charset="2"/>
@@ -17351,28 +17094,28 @@
           </a:p>
           <a:p>
             <a:r>
-              <a:rPr lang="en-US" dirty="0" err="1" smtClean="0">
+              <a:rPr lang="en-US" dirty="0" err="1">
                 <a:latin typeface="Times New Roman" panose="02020603050405020304" pitchFamily="18" charset="0"/>
                 <a:cs typeface="Times New Roman" panose="02020603050405020304" pitchFamily="18" charset="0"/>
               </a:rPr>
               <a:t>moveToElement</a:t>
             </a:r>
             <a:r>
-              <a:rPr lang="en-US" dirty="0" smtClean="0">
+              <a:rPr lang="en-US" dirty="0">
                 <a:latin typeface="Times New Roman" panose="02020603050405020304" pitchFamily="18" charset="0"/>
                 <a:cs typeface="Times New Roman" panose="02020603050405020304" pitchFamily="18" charset="0"/>
               </a:rPr>
               <a:t>(element).</a:t>
             </a:r>
             <a:r>
-              <a:rPr lang="en-US" dirty="0" err="1" smtClean="0">
+              <a:rPr lang="en-US" dirty="0" err="1">
                 <a:latin typeface="Times New Roman" panose="02020603050405020304" pitchFamily="18" charset="0"/>
                 <a:cs typeface="Times New Roman" panose="02020603050405020304" pitchFamily="18" charset="0"/>
               </a:rPr>
               <a:t>doubleClick</a:t>
             </a:r>
             <a:r>
-              <a:rPr lang="en-US" dirty="0" smtClean="0">
+              <a:rPr lang="en-US" dirty="0">
                 <a:latin typeface="Times New Roman" panose="02020603050405020304" pitchFamily="18" charset="0"/>
                 <a:cs typeface="Times New Roman" panose="02020603050405020304" pitchFamily="18" charset="0"/>
               </a:rPr>
@@ -17435,13 +17178,6 @@
   <p:clrMapOvr>
     <a:masterClrMapping/>
   </p:clrMapOvr>
-  <p:timing>
-    <p:tnLst>
-      <p:par>
-        <p:cTn id="1" dur="indefinite" restart="never" nodeType="tmRoot"/>
-      </p:par>
-    </p:tnLst>
-  </p:timing>
 </p:sld>
 </file>
 
